--- a/docs/package-comparison.pptx
+++ b/docs/package-comparison.pptx
@@ -8,10 +8,14 @@
     <p:sldId id="256" r:id="rId2"/>
     <p:sldId id="257" r:id="rId3"/>
     <p:sldId id="258" r:id="rId4"/>
-    <p:sldId id="260" r:id="rId5"/>
-    <p:sldId id="259" r:id="rId6"/>
-    <p:sldId id="261" r:id="rId7"/>
-    <p:sldId id="262" r:id="rId8"/>
+    <p:sldId id="264" r:id="rId5"/>
+    <p:sldId id="266" r:id="rId6"/>
+    <p:sldId id="260" r:id="rId7"/>
+    <p:sldId id="265" r:id="rId8"/>
+    <p:sldId id="259" r:id="rId9"/>
+    <p:sldId id="261" r:id="rId10"/>
+    <p:sldId id="262" r:id="rId11"/>
+    <p:sldId id="263" r:id="rId12"/>
   </p:sldIdLst>
   <p:sldSz cx="12192000" cy="6858000"/>
   <p:notesSz cx="6858000" cy="9144000"/>
@@ -118,10 +122,14 @@
             <p14:sldId id="256"/>
             <p14:sldId id="257"/>
             <p14:sldId id="258"/>
+            <p14:sldId id="264"/>
+            <p14:sldId id="266"/>
             <p14:sldId id="260"/>
+            <p14:sldId id="265"/>
             <p14:sldId id="259"/>
             <p14:sldId id="261"/>
             <p14:sldId id="262"/>
+            <p14:sldId id="263"/>
           </p14:sldIdLst>
         </p14:section>
       </p14:sectionLst>
@@ -595,7 +603,7 @@
           <a:p>
             <a:fld id="{78ABE3C1-DBE1-495D-B57B-2849774B866A}" type="datetimeFigureOut">
               <a:rPr lang="en-US" smtClean="0"/>
-              <a:t>12/23/18</a:t>
+              <a:t>12/24/18</a:t>
             </a:fld>
             <a:endParaRPr lang="en-US" dirty="0"/>
           </a:p>
@@ -802,7 +810,7 @@
           <a:p>
             <a:fld id="{1FA3F48C-C7C6-4055-9F49-3777875E72AE}" type="datetimeFigureOut">
               <a:rPr lang="en-US" smtClean="0"/>
-              <a:t>12/23/18</a:t>
+              <a:t>12/24/18</a:t>
             </a:fld>
             <a:endParaRPr lang="en-US" dirty="0"/>
           </a:p>
@@ -982,7 +990,7 @@
           <a:p>
             <a:fld id="{6178E61D-D431-422C-9764-11DAFE33AB63}" type="datetimeFigureOut">
               <a:rPr lang="en-US" smtClean="0"/>
-              <a:t>12/23/18</a:t>
+              <a:t>12/24/18</a:t>
             </a:fld>
             <a:endParaRPr lang="en-US" dirty="0"/>
           </a:p>
@@ -1153,7 +1161,7 @@
           <a:p>
             <a:fld id="{12DE42F4-6EEF-4EF7-8ED4-2208F0F89A08}" type="datetimeFigureOut">
               <a:rPr lang="en-US" smtClean="0"/>
-              <a:t>12/23/18</a:t>
+              <a:t>12/24/18</a:t>
             </a:fld>
             <a:endParaRPr lang="en-US" dirty="0"/>
           </a:p>
@@ -1724,7 +1732,7 @@
           <a:p>
             <a:fld id="{30578ACC-22D6-47C1-A373-4FD133E34F3C}" type="datetimeFigureOut">
               <a:rPr lang="en-US" smtClean="0"/>
-              <a:t>12/23/18</a:t>
+              <a:t>12/24/18</a:t>
             </a:fld>
             <a:endParaRPr lang="en-US" dirty="0"/>
           </a:p>
@@ -2026,7 +2034,7 @@
           <a:p>
             <a:fld id="{4E5A6C69-6797-4E8A-BF37-F2C3751466E9}" type="datetimeFigureOut">
               <a:rPr lang="en-US" smtClean="0"/>
-              <a:t>12/23/18</a:t>
+              <a:t>12/24/18</a:t>
             </a:fld>
             <a:endParaRPr lang="en-US" dirty="0"/>
           </a:p>
@@ -2463,7 +2471,7 @@
           <a:p>
             <a:fld id="{D82014A1-A632-4878-A0D3-F52BA7563730}" type="datetimeFigureOut">
               <a:rPr lang="en-US" smtClean="0"/>
-              <a:t>12/23/18</a:t>
+              <a:t>12/24/18</a:t>
             </a:fld>
             <a:endParaRPr lang="en-US" dirty="0"/>
           </a:p>
@@ -2581,7 +2589,7 @@
           <a:p>
             <a:fld id="{CE99F462-093F-4566-844B-4C71F2739DA5}" type="datetimeFigureOut">
               <a:rPr lang="en-US" smtClean="0"/>
-              <a:t>12/23/18</a:t>
+              <a:t>12/24/18</a:t>
             </a:fld>
             <a:endParaRPr lang="en-US" dirty="0"/>
           </a:p>
@@ -2676,7 +2684,7 @@
           <a:p>
             <a:fld id="{3D24A7AC-904D-4781-85BA-7D10C17ED021}" type="datetimeFigureOut">
               <a:rPr lang="en-US" smtClean="0"/>
-              <a:t>12/23/18</a:t>
+              <a:t>12/24/18</a:t>
             </a:fld>
             <a:endParaRPr lang="en-US" dirty="0"/>
           </a:p>
@@ -3063,7 +3071,7 @@
           <a:p>
             <a:fld id="{E331444B-B92B-4E27-8C94-BB93EAF5CB18}" type="datetimeFigureOut">
               <a:rPr lang="en-US" smtClean="0"/>
-              <a:t>12/23/18</a:t>
+              <a:t>12/24/18</a:t>
             </a:fld>
             <a:endParaRPr lang="en-US" dirty="0"/>
           </a:p>
@@ -3462,7 +3470,7 @@
           <a:p>
             <a:fld id="{363EFA5E-FA76-400D-B3DC-F0BA90E6D107}" type="datetimeFigureOut">
               <a:rPr lang="en-US" smtClean="0"/>
-              <a:t>12/23/18</a:t>
+              <a:t>12/24/18</a:t>
             </a:fld>
             <a:endParaRPr lang="en-US" dirty="0"/>
           </a:p>
@@ -3780,7 +3788,7 @@
           <a:p>
             <a:fld id="{9D6E9DEC-419B-4CC5-A080-3B06BD5A8291}" type="datetimeFigureOut">
               <a:rPr lang="en-US" smtClean="0"/>
-              <a:t>12/23/18</a:t>
+              <a:t>12/24/18</a:t>
             </a:fld>
             <a:endParaRPr lang="en-US" dirty="0"/>
           </a:p>
@@ -4324,6 +4332,311 @@
 </p:sld>
 </file>
 
+<file path=ppt/slides/slide10.xml><?xml version="1.0" encoding="utf-8"?>
+<p:sld xmlns:a="http://schemas.openxmlformats.org/drawingml/2006/main" xmlns:r="http://schemas.openxmlformats.org/officeDocument/2006/relationships" xmlns:p="http://schemas.openxmlformats.org/presentationml/2006/main">
+  <p:cSld>
+    <p:spTree>
+      <p:nvGrpSpPr>
+        <p:cNvPr id="1" name=""/>
+        <p:cNvGrpSpPr/>
+        <p:nvPr/>
+      </p:nvGrpSpPr>
+      <p:grpSpPr>
+        <a:xfrm>
+          <a:off x="0" y="0"/>
+          <a:ext cx="0" cy="0"/>
+          <a:chOff x="0" y="0"/>
+          <a:chExt cx="0" cy="0"/>
+        </a:xfrm>
+      </p:grpSpPr>
+      <p:sp>
+        <p:nvSpPr>
+          <p:cNvPr id="2" name="Title 1"/>
+          <p:cNvSpPr>
+            <a:spLocks noGrp="1"/>
+          </p:cNvSpPr>
+          <p:nvPr>
+            <p:ph type="title"/>
+          </p:nvPr>
+        </p:nvSpPr>
+        <p:spPr/>
+        <p:txBody>
+          <a:bodyPr/>
+          <a:lstStyle/>
+          <a:p>
+            <a:r>
+              <a:rPr lang="en-US" dirty="0" smtClean="0"/>
+              <a:t>Pros summary</a:t>
+            </a:r>
+            <a:endParaRPr lang="en-US" dirty="0"/>
+          </a:p>
+        </p:txBody>
+      </p:sp>
+      <p:sp>
+        <p:nvSpPr>
+          <p:cNvPr id="3" name="Content Placeholder 2"/>
+          <p:cNvSpPr>
+            <a:spLocks noGrp="1"/>
+          </p:cNvSpPr>
+          <p:nvPr>
+            <p:ph idx="1"/>
+          </p:nvPr>
+        </p:nvSpPr>
+        <p:spPr/>
+        <p:txBody>
+          <a:bodyPr/>
+          <a:lstStyle/>
+          <a:p>
+            <a:r>
+              <a:rPr lang="en-US" dirty="0" err="1" smtClean="0"/>
+              <a:t>FEniCS</a:t>
+            </a:r>
+            <a:r>
+              <a:rPr lang="en-US" dirty="0" smtClean="0"/>
+              <a:t>:</a:t>
+            </a:r>
+          </a:p>
+          <a:p>
+            <a:pPr lvl="1"/>
+            <a:r>
+              <a:rPr lang="en-US" dirty="0" smtClean="0"/>
+              <a:t>Easy to start, no need to care about implementation details</a:t>
+            </a:r>
+          </a:p>
+          <a:p>
+            <a:pPr lvl="1"/>
+            <a:r>
+              <a:rPr lang="en-US" dirty="0" smtClean="0"/>
+              <a:t>Easy nonlinear solver callable</a:t>
+            </a:r>
+          </a:p>
+          <a:p>
+            <a:r>
+              <a:rPr lang="en-US" dirty="0" err="1" smtClean="0"/>
+              <a:t>deal.II</a:t>
+            </a:r>
+            <a:r>
+              <a:rPr lang="en-US" dirty="0" smtClean="0"/>
+              <a:t>:</a:t>
+            </a:r>
+          </a:p>
+          <a:p>
+            <a:pPr lvl="1"/>
+            <a:r>
+              <a:rPr lang="en-US" dirty="0" smtClean="0"/>
+              <a:t>Has almost all the flexibility that one can think about except using non-quad mesh</a:t>
+            </a:r>
+          </a:p>
+          <a:p>
+            <a:pPr lvl="1"/>
+            <a:r>
+              <a:rPr lang="en-US" dirty="0" smtClean="0"/>
+              <a:t>Super supportive developer/user Google groups for answering all the hard questions</a:t>
+            </a:r>
+          </a:p>
+          <a:p>
+            <a:pPr lvl="1"/>
+            <a:r>
+              <a:rPr lang="en-US" dirty="0" smtClean="0"/>
+              <a:t>Lots of well structured demos with all necessary section-wise explanations</a:t>
+            </a:r>
+          </a:p>
+          <a:p>
+            <a:r>
+              <a:rPr lang="en-US" dirty="0" smtClean="0"/>
+              <a:t>MOOSE:</a:t>
+            </a:r>
+          </a:p>
+          <a:p>
+            <a:pPr lvl="1"/>
+            <a:r>
+              <a:rPr lang="en-US" dirty="0" smtClean="0"/>
+              <a:t>Easy to start and short code to write for simple problems</a:t>
+            </a:r>
+          </a:p>
+          <a:p>
+            <a:pPr lvl="1"/>
+            <a:r>
+              <a:rPr lang="en-US" dirty="0" smtClean="0"/>
+              <a:t>Solve nonlinear problems using JFNK</a:t>
+            </a:r>
+          </a:p>
+          <a:p>
+            <a:pPr lvl="1"/>
+            <a:r>
+              <a:rPr lang="en-US" dirty="0" smtClean="0"/>
+              <a:t>Same syntax/data structure in serial and parallel</a:t>
+            </a:r>
+            <a:endParaRPr lang="en-US" dirty="0"/>
+          </a:p>
+        </p:txBody>
+      </p:sp>
+    </p:spTree>
+    <p:extLst>
+      <p:ext uri="{BB962C8B-B14F-4D97-AF65-F5344CB8AC3E}">
+        <p14:creationId xmlns:p14="http://schemas.microsoft.com/office/powerpoint/2010/main" val="1276713976"/>
+      </p:ext>
+    </p:extLst>
+  </p:cSld>
+  <p:clrMapOvr>
+    <a:masterClrMapping/>
+  </p:clrMapOvr>
+</p:sld>
+</file>
+
+<file path=ppt/slides/slide11.xml><?xml version="1.0" encoding="utf-8"?>
+<p:sld xmlns:a="http://schemas.openxmlformats.org/drawingml/2006/main" xmlns:r="http://schemas.openxmlformats.org/officeDocument/2006/relationships" xmlns:p="http://schemas.openxmlformats.org/presentationml/2006/main">
+  <p:cSld>
+    <p:spTree>
+      <p:nvGrpSpPr>
+        <p:cNvPr id="1" name=""/>
+        <p:cNvGrpSpPr/>
+        <p:nvPr/>
+      </p:nvGrpSpPr>
+      <p:grpSpPr>
+        <a:xfrm>
+          <a:off x="0" y="0"/>
+          <a:ext cx="0" cy="0"/>
+          <a:chOff x="0" y="0"/>
+          <a:chExt cx="0" cy="0"/>
+        </a:xfrm>
+      </p:grpSpPr>
+      <p:sp>
+        <p:nvSpPr>
+          <p:cNvPr id="2" name="Title 1"/>
+          <p:cNvSpPr>
+            <a:spLocks noGrp="1"/>
+          </p:cNvSpPr>
+          <p:nvPr>
+            <p:ph type="title"/>
+          </p:nvPr>
+        </p:nvSpPr>
+        <p:spPr/>
+        <p:txBody>
+          <a:bodyPr/>
+          <a:lstStyle/>
+          <a:p>
+            <a:r>
+              <a:rPr lang="en-US" dirty="0" smtClean="0"/>
+              <a:t>Some potential cons</a:t>
+            </a:r>
+            <a:endParaRPr lang="en-US" dirty="0"/>
+          </a:p>
+        </p:txBody>
+      </p:sp>
+      <p:sp>
+        <p:nvSpPr>
+          <p:cNvPr id="3" name="Content Placeholder 2"/>
+          <p:cNvSpPr>
+            <a:spLocks noGrp="1"/>
+          </p:cNvSpPr>
+          <p:nvPr>
+            <p:ph idx="1"/>
+          </p:nvPr>
+        </p:nvSpPr>
+        <p:spPr/>
+        <p:txBody>
+          <a:bodyPr/>
+          <a:lstStyle/>
+          <a:p>
+            <a:r>
+              <a:rPr lang="en-US" dirty="0" err="1" smtClean="0"/>
+              <a:t>FEniCS</a:t>
+            </a:r>
+            <a:r>
+              <a:rPr lang="en-US" dirty="0" smtClean="0"/>
+              <a:t>:</a:t>
+            </a:r>
+          </a:p>
+          <a:p>
+            <a:pPr lvl="1"/>
+            <a:r>
+              <a:rPr lang="en-US" dirty="0" smtClean="0"/>
+              <a:t>Easy coding-&gt;low flexibility</a:t>
+            </a:r>
+          </a:p>
+          <a:p>
+            <a:pPr lvl="1"/>
+            <a:r>
+              <a:rPr lang="en-US" dirty="0" smtClean="0"/>
+              <a:t>Maybe some other things?</a:t>
+            </a:r>
+          </a:p>
+          <a:p>
+            <a:r>
+              <a:rPr lang="en-US" dirty="0" err="1" smtClean="0"/>
+              <a:t>deal.II</a:t>
+            </a:r>
+            <a:r>
+              <a:rPr lang="en-US" dirty="0" smtClean="0"/>
+              <a:t>:</a:t>
+            </a:r>
+          </a:p>
+          <a:p>
+            <a:pPr lvl="1"/>
+            <a:r>
+              <a:rPr lang="en-US" dirty="0" smtClean="0"/>
+              <a:t>Only quad-type mesh is supported; third-party meshing libs are not as rich as tri-type mesh</a:t>
+            </a:r>
+          </a:p>
+          <a:p>
+            <a:r>
+              <a:rPr lang="en-US" dirty="0" smtClean="0"/>
+              <a:t>MOOSE:</a:t>
+            </a:r>
+          </a:p>
+          <a:p>
+            <a:pPr lvl="1"/>
+            <a:r>
+              <a:rPr lang="en-US" dirty="0" smtClean="0"/>
+              <a:t>Can be slow due to MOOSE’s philosophy that it is designed to suit all possible FEM problems. It sacrifice </a:t>
+            </a:r>
+          </a:p>
+          <a:p>
+            <a:pPr lvl="1"/>
+            <a:r>
+              <a:rPr lang="en-US" dirty="0" smtClean="0"/>
+              <a:t>JFNK doesn’t necessarily do great; Newton might just be okay if not very large </a:t>
+            </a:r>
+            <a:r>
+              <a:rPr lang="en-US" dirty="0" err="1" smtClean="0"/>
+              <a:t>DoF</a:t>
+            </a:r>
+            <a:r>
+              <a:rPr lang="en-US" dirty="0" smtClean="0"/>
+              <a:t> counts (like billions (radiation transport can easily have that))</a:t>
+            </a:r>
+          </a:p>
+          <a:p>
+            <a:pPr lvl="2"/>
+            <a:r>
+              <a:rPr lang="en-US" dirty="0" smtClean="0"/>
+              <a:t>JFNK hurts the nonlinear accuracy of Newton; </a:t>
+            </a:r>
+          </a:p>
+          <a:p>
+            <a:pPr lvl="2"/>
+            <a:r>
+              <a:rPr lang="en-US" dirty="0" smtClean="0"/>
+              <a:t>It might still use a lot of memories </a:t>
+            </a:r>
+            <a:endParaRPr lang="en-US" dirty="0"/>
+          </a:p>
+        </p:txBody>
+      </p:sp>
+    </p:spTree>
+    <p:extLst>
+      <p:ext uri="{BB962C8B-B14F-4D97-AF65-F5344CB8AC3E}">
+        <p14:creationId xmlns:p14="http://schemas.microsoft.com/office/powerpoint/2010/main" val="130379743"/>
+      </p:ext>
+    </p:extLst>
+  </p:cSld>
+  <p:clrMapOvr>
+    <a:masterClrMapping/>
+  </p:clrMapOvr>
+</p:sld>
+</file>
+
 <file path=ppt/slides/slide2.xml><?xml version="1.0" encoding="utf-8"?>
 <p:sld xmlns:a="http://schemas.openxmlformats.org/drawingml/2006/main" xmlns:r="http://schemas.openxmlformats.org/officeDocument/2006/relationships" xmlns:p="http://schemas.openxmlformats.org/presentationml/2006/main">
   <p:cSld>
@@ -4404,26 +4717,15 @@
             <a:pPr lvl="1"/>
             <a:r>
               <a:rPr lang="en-US" dirty="0" smtClean="0"/>
-              <a:t>Platforms, build, </a:t>
-            </a:r>
-            <a:r>
-              <a:rPr lang="en-US" dirty="0" err="1" smtClean="0"/>
-              <a:t>etc</a:t>
-            </a:r>
-            <a:endParaRPr lang="en-US" dirty="0" smtClean="0"/>
-          </a:p>
-          <a:p>
-            <a:pPr lvl="1"/>
-            <a:r>
-              <a:rPr lang="en-US" dirty="0" smtClean="0"/>
-              <a:t>Features</a:t>
-            </a:r>
-          </a:p>
-          <a:p>
-            <a:pPr lvl="1"/>
-            <a:r>
-              <a:rPr lang="en-US" dirty="0" smtClean="0"/>
-              <a:t>Difficulty to use</a:t>
+              <a:t>Platforms, build</a:t>
+            </a:r>
+            <a:r>
+              <a:rPr lang="en-US" smtClean="0"/>
+              <a:t>, features, difficulty </a:t>
+            </a:r>
+            <a:r>
+              <a:rPr lang="en-US" dirty="0" smtClean="0"/>
+              <a:t>to use</a:t>
             </a:r>
           </a:p>
           <a:p>
@@ -4715,8 +5017,8 @@
           <a:lstStyle/>
           <a:p>
             <a:r>
-              <a:rPr lang="en-US" dirty="0" smtClean="0"/>
-              <a:t>Mesh and triangulation</a:t>
+              <a:rPr lang="en-US" altLang="zh-CN" dirty="0" smtClean="0"/>
+              <a:t>Build, independently</a:t>
             </a:r>
             <a:endParaRPr lang="en-US" dirty="0"/>
           </a:p>
@@ -4732,17 +5034,18 @@
             <p:ph idx="1"/>
           </p:nvPr>
         </p:nvSpPr>
-        <p:spPr>
-          <a:xfrm>
-            <a:off x="1066800" y="2103120"/>
-            <a:ext cx="10058400" cy="4434840"/>
-          </a:xfrm>
-        </p:spPr>
+        <p:spPr/>
         <p:txBody>
           <a:bodyPr/>
           <a:lstStyle/>
           <a:p>
             <a:r>
+              <a:rPr lang="en-US" dirty="0" smtClean="0"/>
+              <a:t>Not sure how hard to get them into the codebase. Here we might just get a sense of it by looking at how hard to build them independently</a:t>
+            </a:r>
+          </a:p>
+          <a:p>
+            <a:r>
               <a:rPr lang="en-US" dirty="0" err="1" smtClean="0"/>
               <a:t>FEniCS</a:t>
             </a:r>
@@ -4755,33 +5058,7 @@
             <a:pPr lvl="1"/>
             <a:r>
               <a:rPr lang="en-US" dirty="0" smtClean="0"/>
-              <a:t>Triangular/tetrahedral mesh</a:t>
-            </a:r>
-          </a:p>
-          <a:p>
-            <a:pPr lvl="1"/>
-            <a:r>
-              <a:rPr lang="en-US" dirty="0" smtClean="0"/>
-              <a:t>Build-in and read-in functions for meshing</a:t>
-            </a:r>
-          </a:p>
-          <a:p>
-            <a:pPr lvl="1"/>
-            <a:r>
-              <a:rPr lang="en-US" dirty="0" smtClean="0"/>
-              <a:t>Shared </a:t>
-            </a:r>
-            <a:r>
-              <a:rPr lang="en-US" dirty="0" smtClean="0"/>
-              <a:t>triangulation based on </a:t>
-            </a:r>
-            <a:r>
-              <a:rPr lang="en-US" dirty="0" err="1" smtClean="0"/>
-              <a:t>ParMETIS</a:t>
-            </a:r>
-            <a:r>
-              <a:rPr lang="en-US" dirty="0" smtClean="0"/>
-              <a:t>: every process has a copy of the global mesh</a:t>
+              <a:t>Easy, if Anaconda is used</a:t>
             </a:r>
           </a:p>
           <a:p>
@@ -4789,58 +5066,74 @@
               <a:rPr lang="en-US" dirty="0" err="1" smtClean="0"/>
               <a:t>deal.II</a:t>
             </a:r>
+            <a:r>
+              <a:rPr lang="en-US" dirty="0" smtClean="0"/>
+              <a:t>:</a:t>
+            </a:r>
+          </a:p>
+          <a:p>
+            <a:pPr lvl="1"/>
+            <a:r>
+              <a:rPr lang="en-US" dirty="0" smtClean="0"/>
+              <a:t>Pre-built package available on mac (.</a:t>
+            </a:r>
+            <a:r>
+              <a:rPr lang="en-US" dirty="0" err="1" smtClean="0"/>
+              <a:t>dmg</a:t>
+            </a:r>
+            <a:r>
+              <a:rPr lang="en-US" dirty="0" smtClean="0"/>
+              <a:t>) with the maximum capabilities</a:t>
+            </a:r>
+          </a:p>
+          <a:p>
+            <a:pPr lvl="1"/>
+            <a:r>
+              <a:rPr lang="en-US" dirty="0"/>
+              <a:t>O</a:t>
+            </a:r>
+            <a:r>
+              <a:rPr lang="en-US" dirty="0" smtClean="0"/>
+              <a:t>n *nix system, easy to build with all the desirable bundles if </a:t>
+            </a:r>
+            <a:r>
+              <a:rPr lang="en-US" dirty="0" err="1" smtClean="0"/>
+              <a:t>candi</a:t>
+            </a:r>
+            <a:r>
+              <a:rPr lang="en-US" dirty="0" smtClean="0"/>
+              <a:t> (building script) is used. </a:t>
+            </a:r>
+            <a:r>
+              <a:rPr lang="en-US" dirty="0" err="1" smtClean="0"/>
+              <a:t>Linuxbrew</a:t>
+            </a:r>
+            <a:r>
+              <a:rPr lang="en-US" dirty="0" smtClean="0"/>
+              <a:t> might also be okay</a:t>
+            </a:r>
+          </a:p>
+          <a:p>
+            <a:pPr lvl="1"/>
+            <a:r>
+              <a:rPr lang="en-US" dirty="0" smtClean="0"/>
+              <a:t>From scratch, okay to do with </a:t>
+            </a:r>
+            <a:r>
+              <a:rPr lang="en-US" dirty="0" err="1" smtClean="0"/>
+              <a:t>PETSc</a:t>
+            </a:r>
+            <a:r>
+              <a:rPr lang="en-US" dirty="0" smtClean="0"/>
+              <a:t>, tricky to build with </a:t>
+            </a:r>
+            <a:r>
+              <a:rPr lang="en-US" dirty="0" err="1" smtClean="0"/>
+              <a:t>Trilinos</a:t>
+            </a:r>
             <a:endParaRPr lang="en-US" dirty="0" smtClean="0"/>
           </a:p>
           <a:p>
-            <a:pPr lvl="1"/>
-            <a:r>
-              <a:rPr lang="en-US" dirty="0" smtClean="0"/>
-              <a:t>Quadrilateral/cuboid mesh (</a:t>
-            </a:r>
-            <a:r>
-              <a:rPr lang="en-US" dirty="0" err="1" smtClean="0"/>
-              <a:t>deal.II</a:t>
-            </a:r>
-            <a:r>
-              <a:rPr lang="en-US" dirty="0" smtClean="0"/>
-              <a:t> wants to be distinct XD)</a:t>
-            </a:r>
-          </a:p>
-          <a:p>
-            <a:pPr lvl="1"/>
-            <a:r>
-              <a:rPr lang="en-US" dirty="0" smtClean="0"/>
-              <a:t>Build-in and read-in functions for meshing; build-in functions provides various basic/rich types of geometries</a:t>
-            </a:r>
-          </a:p>
-          <a:p>
-            <a:pPr lvl="1"/>
-            <a:r>
-              <a:rPr lang="en-US" dirty="0" smtClean="0"/>
-              <a:t>Shared </a:t>
-            </a:r>
-            <a:r>
-              <a:rPr lang="en-US" dirty="0" smtClean="0"/>
-              <a:t>triangulation based on </a:t>
-            </a:r>
-            <a:r>
-              <a:rPr lang="en-US" dirty="0" err="1" smtClean="0"/>
-              <a:t>ParMETIS</a:t>
-            </a:r>
-            <a:r>
-              <a:rPr lang="en-US" dirty="0" smtClean="0"/>
-              <a:t> and </a:t>
-            </a:r>
-            <a:r>
-              <a:rPr lang="en-US" dirty="0" smtClean="0"/>
-              <a:t>distributed </a:t>
-            </a:r>
-            <a:r>
-              <a:rPr lang="en-US" dirty="0" smtClean="0"/>
-              <a:t>triangulation based on P4EST</a:t>
-            </a:r>
-          </a:p>
-          <a:p>
             <a:r>
               <a:rPr lang="en-US" dirty="0" smtClean="0"/>
               <a:t>MOOSE:</a:t>
@@ -4850,38 +5143,20 @@
             <a:pPr lvl="1"/>
             <a:r>
               <a:rPr lang="en-US" dirty="0" smtClean="0"/>
-              <a:t>Both hyper tri and quad meshes</a:t>
-            </a:r>
-          </a:p>
-          <a:p>
-            <a:pPr lvl="1"/>
-            <a:r>
-              <a:rPr lang="en-US" dirty="0"/>
-              <a:t>Build-in and read-in functions for meshing</a:t>
-            </a:r>
-          </a:p>
-          <a:p>
-            <a:pPr lvl="1"/>
-            <a:r>
-              <a:rPr lang="en-US" dirty="0" smtClean="0"/>
-              <a:t>Shared </a:t>
-            </a:r>
-            <a:r>
-              <a:rPr lang="en-US" dirty="0"/>
-              <a:t>triangulation based on </a:t>
-            </a:r>
-            <a:r>
-              <a:rPr lang="en-US" dirty="0" err="1"/>
-              <a:t>ParMETIS</a:t>
-            </a:r>
-            <a:endParaRPr lang="en-US" dirty="0" smtClean="0"/>
+              <a:t>Okay, if </a:t>
+            </a:r>
+            <a:r>
+              <a:rPr lang="en-US" dirty="0" smtClean="0"/>
+              <a:t>instructions followed</a:t>
+            </a:r>
+            <a:endParaRPr lang="en-US" dirty="0"/>
           </a:p>
         </p:txBody>
       </p:sp>
     </p:spTree>
     <p:extLst>
       <p:ext uri="{BB962C8B-B14F-4D97-AF65-F5344CB8AC3E}">
-        <p14:creationId xmlns:p14="http://schemas.microsoft.com/office/powerpoint/2010/main" val="1776890113"/>
+        <p14:creationId xmlns:p14="http://schemas.microsoft.com/office/powerpoint/2010/main" val="179799048"/>
       </p:ext>
     </p:extLst>
   </p:cSld>
@@ -4924,8 +5199,8 @@
           <a:lstStyle/>
           <a:p>
             <a:r>
-              <a:rPr lang="en-US" altLang="zh-CN" dirty="0" smtClean="0"/>
-              <a:t>Nonlinear solver support</a:t>
+              <a:rPr lang="en-US" dirty="0" smtClean="0"/>
+              <a:t>Programming components</a:t>
             </a:r>
             <a:endParaRPr lang="en-US" dirty="0"/>
           </a:p>
@@ -4952,24 +5227,8 @@
             </a:r>
             <a:r>
               <a:rPr lang="en-US" dirty="0" smtClean="0"/>
-              <a:t>:</a:t>
-            </a:r>
-          </a:p>
-          <a:p>
-            <a:pPr lvl="1"/>
-            <a:r>
-              <a:rPr lang="en-US" dirty="0" smtClean="0"/>
-              <a:t>Provide nonlinear solver without requiring user to provide specific Newton steps</a:t>
-            </a:r>
-          </a:p>
-          <a:p>
-            <a:pPr lvl="1"/>
-            <a:r>
-              <a:rPr lang="en-US" dirty="0" smtClean="0"/>
-              <a:t>Maybe some auto-differentiation functionality under the hood</a:t>
-            </a:r>
-          </a:p>
-          <a:p>
+              <a:t> and </a:t>
+            </a:r>
             <a:r>
               <a:rPr lang="en-US" dirty="0" err="1" smtClean="0"/>
               <a:t>deal.II</a:t>
@@ -4983,53 +5242,54 @@
             <a:pPr lvl="1"/>
             <a:r>
               <a:rPr lang="en-US" dirty="0" smtClean="0"/>
-              <a:t>No direct support on nonlinear solver;</a:t>
-            </a:r>
-          </a:p>
-          <a:p>
-            <a:pPr lvl="1"/>
-            <a:r>
-              <a:rPr lang="en-US" dirty="0" smtClean="0"/>
-              <a:t>Can interface codes in </a:t>
+              <a:t>need to invoke all necessary functions to finish the flow from preparing function space, building mesh, assembling matrices/vectors, </a:t>
+            </a:r>
+            <a:r>
+              <a:rPr lang="en-US" dirty="0" smtClean="0"/>
+              <a:t>calling </a:t>
+            </a:r>
+            <a:r>
+              <a:rPr lang="en-US" dirty="0" smtClean="0"/>
+              <a:t>solvers to solve </a:t>
+            </a:r>
+            <a:r>
+              <a:rPr lang="en-US" dirty="0" smtClean="0"/>
+              <a:t>it to </a:t>
             </a:r>
             <a:r>
               <a:rPr lang="en-US" dirty="0" err="1" smtClean="0"/>
-              <a:t>PETSc’s</a:t>
-            </a:r>
-            <a:r>
-              <a:rPr lang="en-US" dirty="0" smtClean="0"/>
-              <a:t> style to </a:t>
-            </a:r>
+              <a:t>outputing</a:t>
+            </a:r>
+            <a:r>
+              <a:rPr lang="en-US" dirty="0" smtClean="0"/>
+              <a:t> </a:t>
+            </a:r>
+            <a:r>
+              <a:rPr lang="en-US" dirty="0" smtClean="0"/>
+              <a:t>the results</a:t>
+            </a:r>
+          </a:p>
+          <a:p>
+            <a:pPr lvl="1"/>
             <a:r>
               <a:rPr lang="en-US" dirty="0" err="1" smtClean="0"/>
-              <a:t>snes</a:t>
-            </a:r>
-            <a:r>
-              <a:rPr lang="en-US" dirty="0" smtClean="0"/>
-              <a:t> solver</a:t>
-            </a:r>
-          </a:p>
-          <a:p>
-            <a:pPr lvl="1"/>
-            <a:r>
-              <a:rPr lang="en-US" dirty="0" smtClean="0"/>
-              <a:t>A better way is to use automatic differentiation </a:t>
-            </a:r>
-            <a:r>
-              <a:rPr lang="en-US" dirty="0" err="1" smtClean="0"/>
-              <a:t>Trilinos’s</a:t>
-            </a:r>
-            <a:r>
-              <a:rPr lang="en-US" dirty="0" smtClean="0"/>
-              <a:t> </a:t>
-            </a:r>
-            <a:r>
-              <a:rPr lang="en-US" dirty="0" err="1" smtClean="0"/>
-              <a:t>Sacado</a:t>
-            </a:r>
-            <a:r>
-              <a:rPr lang="en-US" dirty="0" smtClean="0"/>
-              <a:t> library</a:t>
+              <a:t>deal.II</a:t>
+            </a:r>
+            <a:r>
+              <a:rPr lang="en-US" dirty="0" smtClean="0"/>
+              <a:t> can be thought as a more detailed version </a:t>
+            </a:r>
+            <a:r>
+              <a:rPr lang="en-US" smtClean="0"/>
+              <a:t>on </a:t>
+            </a:r>
+            <a:r>
+              <a:rPr lang="en-US" smtClean="0"/>
+              <a:t>the </a:t>
+            </a:r>
+            <a:r>
+              <a:rPr lang="en-US" dirty="0" smtClean="0"/>
+              <a:t>current slide</a:t>
             </a:r>
           </a:p>
           <a:p>
@@ -5041,50 +5301,15 @@
           <a:p>
             <a:pPr lvl="1"/>
             <a:r>
-              <a:rPr lang="en-US" dirty="0"/>
-              <a:t>T</a:t>
-            </a:r>
-            <a:r>
-              <a:rPr lang="en-US" dirty="0" smtClean="0"/>
-              <a:t>reat all problems as nonlinear problem</a:t>
-            </a:r>
-          </a:p>
-          <a:p>
-            <a:pPr lvl="1"/>
-            <a:r>
-              <a:rPr lang="en-US" dirty="0" smtClean="0"/>
-              <a:t>solve equations using </a:t>
-            </a:r>
-            <a:r>
-              <a:rPr lang="en-US" dirty="0" err="1" smtClean="0"/>
-              <a:t>PETSc’s</a:t>
-            </a:r>
-            <a:r>
-              <a:rPr lang="en-US" dirty="0" smtClean="0"/>
-              <a:t> </a:t>
-            </a:r>
-            <a:r>
-              <a:rPr lang="en-US" dirty="0" err="1" smtClean="0"/>
-              <a:t>snes</a:t>
-            </a:r>
-            <a:r>
-              <a:rPr lang="en-US" dirty="0" smtClean="0"/>
-              <a:t> solver realized in the internal </a:t>
-            </a:r>
-            <a:r>
-              <a:rPr lang="en-US" dirty="0" err="1" smtClean="0"/>
-              <a:t>LibMesh</a:t>
-            </a:r>
-            <a:r>
-              <a:rPr lang="en-US" dirty="0" smtClean="0"/>
-              <a:t> (?)</a:t>
-            </a:r>
-          </a:p>
-          <a:p>
-            <a:pPr lvl="1"/>
-            <a:r>
-              <a:rPr lang="en-US" dirty="0" smtClean="0"/>
-              <a:t>Users provide residual weak form for the equation; users gives Jacobian (optional) for preconditioning</a:t>
+              <a:rPr lang="en-US" dirty="0" smtClean="0"/>
+              <a:t>Implement the weak forms for residual and optionally Jacobian in C++</a:t>
+            </a:r>
+          </a:p>
+          <a:p>
+            <a:pPr lvl="1"/>
+            <a:r>
+              <a:rPr lang="en-US" dirty="0" smtClean="0"/>
+              <a:t>Specify the rest in inputs</a:t>
             </a:r>
             <a:endParaRPr lang="en-US" dirty="0"/>
           </a:p>
@@ -5093,7 +5318,7 @@
     </p:spTree>
     <p:extLst>
       <p:ext uri="{BB962C8B-B14F-4D97-AF65-F5344CB8AC3E}">
-        <p14:creationId xmlns:p14="http://schemas.microsoft.com/office/powerpoint/2010/main" val="1353211798"/>
+        <p14:creationId xmlns:p14="http://schemas.microsoft.com/office/powerpoint/2010/main" val="863735244"/>
       </p:ext>
     </p:extLst>
   </p:cSld>
@@ -5137,7 +5362,7 @@
           <a:p>
             <a:r>
               <a:rPr lang="en-US" dirty="0" smtClean="0"/>
-              <a:t>Algebraic solver/preconditioner</a:t>
+              <a:t>Mesh and triangulation</a:t>
             </a:r>
             <a:endParaRPr lang="en-US" dirty="0"/>
           </a:p>
@@ -5153,7 +5378,12 @@
             <p:ph idx="1"/>
           </p:nvPr>
         </p:nvSpPr>
-        <p:spPr/>
+        <p:spPr>
+          <a:xfrm>
+            <a:off x="1066800" y="2103120"/>
+            <a:ext cx="10058400" cy="4434840"/>
+          </a:xfrm>
+        </p:spPr>
         <p:txBody>
           <a:bodyPr/>
           <a:lstStyle/>
@@ -5171,19 +5401,29 @@
             <a:pPr lvl="1"/>
             <a:r>
               <a:rPr lang="en-US" dirty="0" smtClean="0"/>
-              <a:t>Default build only has tools from </a:t>
+              <a:t>Triangular/tetrahedral mesh</a:t>
+            </a:r>
+          </a:p>
+          <a:p>
+            <a:pPr lvl="1"/>
+            <a:r>
+              <a:rPr lang="en-US" dirty="0" smtClean="0"/>
+              <a:t>Build-in and read-in functions for meshing</a:t>
+            </a:r>
+          </a:p>
+          <a:p>
+            <a:pPr lvl="1"/>
+            <a:r>
+              <a:rPr lang="en-US" dirty="0" smtClean="0"/>
+              <a:t>Shared triangulation based on </a:t>
             </a:r>
             <a:r>
               <a:rPr lang="en-US" dirty="0" err="1" smtClean="0"/>
-              <a:t>PETSc</a:t>
-            </a:r>
-            <a:endParaRPr lang="en-US" dirty="0" smtClean="0"/>
-          </a:p>
-          <a:p>
-            <a:pPr lvl="1"/>
-            <a:r>
-              <a:rPr lang="en-US" dirty="0" smtClean="0"/>
-              <a:t>Only need to specify them by string as parameters</a:t>
+              <a:t>ParMETIS</a:t>
+            </a:r>
+            <a:r>
+              <a:rPr lang="en-US" dirty="0" smtClean="0"/>
+              <a:t>: every process has a copy of the global mesh</a:t>
             </a:r>
           </a:p>
           <a:p>
@@ -5191,134 +5431,87 @@
               <a:rPr lang="en-US" dirty="0" err="1" smtClean="0"/>
               <a:t>deal.II</a:t>
             </a:r>
-            <a:r>
-              <a:rPr lang="en-US" dirty="0" smtClean="0"/>
-              <a:t>:</a:t>
-            </a:r>
-          </a:p>
-          <a:p>
-            <a:pPr lvl="1"/>
+            <a:endParaRPr lang="en-US" dirty="0" smtClean="0"/>
+          </a:p>
+          <a:p>
+            <a:pPr lvl="1"/>
+            <a:r>
+              <a:rPr lang="en-US" dirty="0" smtClean="0"/>
+              <a:t>Quadrilateral/cuboid mesh (</a:t>
+            </a:r>
             <a:r>
               <a:rPr lang="en-US" dirty="0" err="1" smtClean="0"/>
               <a:t>deal.II</a:t>
             </a:r>
             <a:r>
               <a:rPr lang="en-US" dirty="0" smtClean="0"/>
-              <a:t> provides wrappers for solvers/preconditioners from </a:t>
+              <a:t> wants to be distinct XD)</a:t>
+            </a:r>
+          </a:p>
+          <a:p>
+            <a:pPr lvl="1"/>
+            <a:r>
+              <a:rPr lang="en-US" dirty="0" smtClean="0"/>
+              <a:t>Build-in and read-in functions for meshing; build-in functions provides various basic/rich types of geometries</a:t>
+            </a:r>
+          </a:p>
+          <a:p>
+            <a:pPr lvl="1"/>
+            <a:r>
+              <a:rPr lang="en-US" dirty="0" smtClean="0"/>
+              <a:t>Shared triangulation based on </a:t>
             </a:r>
             <a:r>
               <a:rPr lang="en-US" dirty="0" err="1" smtClean="0"/>
-              <a:t>PETSc</a:t>
-            </a:r>
-            <a:r>
-              <a:rPr lang="en-US" dirty="0" smtClean="0"/>
-              <a:t> and </a:t>
-            </a:r>
-            <a:r>
-              <a:rPr lang="en-US" dirty="0" err="1" smtClean="0"/>
-              <a:t>Trilinos</a:t>
+              <a:t>ParMETIS</a:t>
+            </a:r>
+            <a:r>
+              <a:rPr lang="en-US" dirty="0" smtClean="0"/>
+              <a:t> and distributed triangulation based on P4EST</a:t>
+            </a:r>
+          </a:p>
+          <a:p>
+            <a:r>
+              <a:rPr lang="en-US" dirty="0" smtClean="0"/>
+              <a:t>MOOSE:</a:t>
+            </a:r>
+          </a:p>
+          <a:p>
+            <a:pPr lvl="1"/>
+            <a:r>
+              <a:rPr lang="en-US" dirty="0" smtClean="0"/>
+              <a:t>Both hyper tri and quad meshes</a:t>
+            </a:r>
+          </a:p>
+          <a:p>
+            <a:pPr lvl="1"/>
+            <a:r>
+              <a:rPr lang="en-US" dirty="0"/>
+              <a:t>Build-in and read-in functions for meshing</a:t>
+            </a:r>
+          </a:p>
+          <a:p>
+            <a:pPr lvl="1"/>
+            <a:r>
+              <a:rPr lang="en-US" dirty="0" smtClean="0"/>
+              <a:t>Shared </a:t>
+            </a:r>
+            <a:r>
+              <a:rPr lang="en-US" dirty="0"/>
+              <a:t>triangulation based on </a:t>
+            </a:r>
+            <a:r>
+              <a:rPr lang="en-US" dirty="0" err="1"/>
+              <a:t>ParMETIS</a:t>
             </a:r>
             <a:endParaRPr lang="en-US" dirty="0" smtClean="0"/>
-          </a:p>
-          <a:p>
-            <a:pPr lvl="1"/>
-            <a:r>
-              <a:rPr lang="en-US" dirty="0" smtClean="0"/>
-              <a:t>Best practice is to use data structures wrapped from the same library as the solvers: e.g. use </a:t>
-            </a:r>
-            <a:r>
-              <a:rPr lang="en-US" dirty="0" err="1" smtClean="0"/>
-              <a:t>PETScWrappers</a:t>
-            </a:r>
-            <a:r>
-              <a:rPr lang="en-US" dirty="0" smtClean="0"/>
-              <a:t>::MPI::</a:t>
-            </a:r>
-            <a:r>
-              <a:rPr lang="en-US" dirty="0" err="1" smtClean="0"/>
-              <a:t>SparseMatrix</a:t>
-            </a:r>
-            <a:r>
-              <a:rPr lang="en-US" dirty="0" smtClean="0"/>
-              <a:t> with </a:t>
-            </a:r>
-            <a:r>
-              <a:rPr lang="en-US" dirty="0" err="1" smtClean="0"/>
-              <a:t>PETScWrappers</a:t>
-            </a:r>
-            <a:r>
-              <a:rPr lang="en-US" dirty="0" smtClean="0"/>
-              <a:t>::</a:t>
-            </a:r>
-            <a:r>
-              <a:rPr lang="en-US" dirty="0" err="1" smtClean="0"/>
-              <a:t>PreconditionBoomerAMG</a:t>
-            </a:r>
-            <a:r>
-              <a:rPr lang="en-US" dirty="0" smtClean="0"/>
-              <a:t> </a:t>
-            </a:r>
-            <a:r>
-              <a:rPr lang="en-US" dirty="0" err="1" smtClean="0"/>
-              <a:t>etc</a:t>
-            </a:r>
-            <a:endParaRPr lang="en-US" dirty="0" smtClean="0"/>
-          </a:p>
-          <a:p>
-            <a:pPr lvl="1"/>
-            <a:r>
-              <a:rPr lang="en-US" dirty="0" smtClean="0"/>
-              <a:t>Can also use </a:t>
-            </a:r>
-            <a:r>
-              <a:rPr lang="en-US" dirty="0" err="1" smtClean="0"/>
-              <a:t>deal.II</a:t>
-            </a:r>
-            <a:r>
-              <a:rPr lang="en-US" dirty="0" smtClean="0"/>
-              <a:t> native data structure in parallel lately</a:t>
-            </a:r>
-          </a:p>
-          <a:p>
-            <a:r>
-              <a:rPr lang="en-US" dirty="0" smtClean="0"/>
-              <a:t>MOOSE:</a:t>
-            </a:r>
-          </a:p>
-          <a:p>
-            <a:pPr lvl="1"/>
-            <a:r>
-              <a:rPr lang="en-US" dirty="0" smtClean="0"/>
-              <a:t>Almost only has solvers/preconditioners from </a:t>
-            </a:r>
-            <a:r>
-              <a:rPr lang="en-US" dirty="0" err="1" smtClean="0"/>
-              <a:t>PETSc</a:t>
-            </a:r>
-            <a:r>
-              <a:rPr lang="en-US" dirty="0" smtClean="0"/>
-              <a:t> unless you want to hack it with </a:t>
-            </a:r>
-            <a:r>
-              <a:rPr lang="en-US" dirty="0" err="1" smtClean="0"/>
-              <a:t>Trilinos</a:t>
-            </a:r>
-            <a:endParaRPr lang="en-US" dirty="0" smtClean="0"/>
-          </a:p>
-          <a:p>
-            <a:pPr lvl="1"/>
-            <a:r>
-              <a:rPr lang="en-US" dirty="0" smtClean="0"/>
-              <a:t>Specify algebraic solvers from input files; can override this through command line</a:t>
-            </a:r>
-            <a:endParaRPr lang="en-US" dirty="0"/>
           </a:p>
         </p:txBody>
       </p:sp>
     </p:spTree>
     <p:extLst>
       <p:ext uri="{BB962C8B-B14F-4D97-AF65-F5344CB8AC3E}">
-        <p14:creationId xmlns:p14="http://schemas.microsoft.com/office/powerpoint/2010/main" val="1837054851"/>
+        <p14:creationId xmlns:p14="http://schemas.microsoft.com/office/powerpoint/2010/main" val="1776890113"/>
       </p:ext>
     </p:extLst>
   </p:cSld>
@@ -5361,10 +5554,10 @@
           <a:lstStyle/>
           <a:p>
             <a:r>
-              <a:rPr lang="en-US" dirty="0" smtClean="0"/>
-              <a:t>Pros summary</a:t>
-            </a:r>
-            <a:endParaRPr lang="en-US" dirty="0"/>
+              <a:rPr lang="en-US" sz="3600" dirty="0" smtClean="0"/>
+              <a:t>How detailed, about the weak form?</a:t>
+            </a:r>
+            <a:endParaRPr lang="en-US" sz="3600" dirty="0"/>
           </a:p>
         </p:txBody>
       </p:sp>
@@ -5380,7 +5573,9 @@
         </p:nvSpPr>
         <p:spPr/>
         <p:txBody>
-          <a:bodyPr/>
+          <a:bodyPr>
+            <a:normAutofit fontScale="92500" lnSpcReduction="20000"/>
+          </a:bodyPr>
           <a:lstStyle/>
           <a:p>
             <a:r>
@@ -5396,40 +5591,525 @@
             <a:pPr lvl="1"/>
             <a:r>
               <a:rPr lang="en-US" dirty="0" smtClean="0"/>
-              <a:t>Easy to start, no need to care about implementation details</a:t>
-            </a:r>
-          </a:p>
-          <a:p>
-            <a:pPr lvl="1"/>
-            <a:r>
-              <a:rPr lang="en-US" dirty="0" smtClean="0"/>
-              <a:t>Easy nonlinear solver callable</a:t>
-            </a:r>
-          </a:p>
-          <a:p>
+              <a:t>Almost like symbolic programming. You don’t know anything about how the local matrices/vectors are formed in detail. It’s also tricky to manipulate them</a:t>
+            </a:r>
+          </a:p>
+          <a:p>
+            <a:pPr lvl="1"/>
+            <a:r>
+              <a:rPr lang="en-US" dirty="0" smtClean="0"/>
+              <a:t>we need to specify which trial function times which test function “symbolically” just as writing them down on papers</a:t>
+            </a:r>
+          </a:p>
+          <a:p>
+            <a:r>
+              <a:rPr lang="en-US" altLang="zh-CN" dirty="0" err="1" smtClean="0"/>
+              <a:t>deal.II</a:t>
+            </a:r>
+            <a:r>
+              <a:rPr lang="en-US" altLang="zh-CN" dirty="0" smtClean="0"/>
+              <a:t>:</a:t>
+            </a:r>
+          </a:p>
+          <a:p>
+            <a:pPr lvl="1"/>
+            <a:r>
+              <a:rPr lang="en-US" dirty="0" smtClean="0"/>
+              <a:t>We need to specify which specific trial function is multiplied by which test function at which quadrature point.</a:t>
+            </a:r>
+          </a:p>
+          <a:p>
+            <a:pPr lvl="1"/>
             <a:r>
               <a:rPr lang="en-US" dirty="0" err="1" smtClean="0"/>
               <a:t>deal.II</a:t>
             </a:r>
             <a:r>
               <a:rPr lang="en-US" dirty="0" smtClean="0"/>
-              <a:t>:</a:t>
-            </a:r>
-          </a:p>
-          <a:p>
-            <a:pPr lvl="1"/>
-            <a:r>
-              <a:rPr lang="en-US" smtClean="0"/>
-              <a:t>Supper</a:t>
-            </a:r>
-            <a:endParaRPr lang="en-US"/>
+              <a:t> provides how the test/trial functions are formulated under the hood once specific function spaces are chosen so you don’t need to touch it from scratch</a:t>
+            </a:r>
+          </a:p>
+          <a:p>
+            <a:pPr lvl="1"/>
+            <a:r>
+              <a:rPr lang="en-US" dirty="0" smtClean="0"/>
+              <a:t>We need to loop over all the quadrature points/test function indices/trial function indices in every single cell. So basically, a full work flow that we learned in FEM class</a:t>
+            </a:r>
+          </a:p>
+          <a:p>
+            <a:pPr lvl="1"/>
+            <a:r>
+              <a:rPr lang="en-US" dirty="0" smtClean="0"/>
+              <a:t>Goodness is we can do things like mass lumping easily</a:t>
+            </a:r>
+          </a:p>
+          <a:p>
+            <a:r>
+              <a:rPr lang="en-US" dirty="0" smtClean="0"/>
+              <a:t>MOOSE:</a:t>
+            </a:r>
+          </a:p>
+          <a:p>
+            <a:pPr lvl="1"/>
+            <a:r>
+              <a:rPr lang="en-US" dirty="0" smtClean="0"/>
+              <a:t>We only need to provide the weak form for what the residual and Jacobian looks like at a specific quadrature points</a:t>
+            </a:r>
+            <a:endParaRPr lang="en-US" dirty="0"/>
           </a:p>
         </p:txBody>
       </p:sp>
     </p:spTree>
     <p:extLst>
       <p:ext uri="{BB962C8B-B14F-4D97-AF65-F5344CB8AC3E}">
-        <p14:creationId xmlns:p14="http://schemas.microsoft.com/office/powerpoint/2010/main" val="1276713976"/>
+        <p14:creationId xmlns:p14="http://schemas.microsoft.com/office/powerpoint/2010/main" val="1895843696"/>
+      </p:ext>
+    </p:extLst>
+  </p:cSld>
+  <p:clrMapOvr>
+    <a:masterClrMapping/>
+  </p:clrMapOvr>
+</p:sld>
+</file>
+
+<file path=ppt/slides/slide8.xml><?xml version="1.0" encoding="utf-8"?>
+<p:sld xmlns:a="http://schemas.openxmlformats.org/drawingml/2006/main" xmlns:r="http://schemas.openxmlformats.org/officeDocument/2006/relationships" xmlns:p="http://schemas.openxmlformats.org/presentationml/2006/main">
+  <p:cSld>
+    <p:spTree>
+      <p:nvGrpSpPr>
+        <p:cNvPr id="1" name=""/>
+        <p:cNvGrpSpPr/>
+        <p:nvPr/>
+      </p:nvGrpSpPr>
+      <p:grpSpPr>
+        <a:xfrm>
+          <a:off x="0" y="0"/>
+          <a:ext cx="0" cy="0"/>
+          <a:chOff x="0" y="0"/>
+          <a:chExt cx="0" cy="0"/>
+        </a:xfrm>
+      </p:grpSpPr>
+      <p:sp>
+        <p:nvSpPr>
+          <p:cNvPr id="2" name="Title 1"/>
+          <p:cNvSpPr>
+            <a:spLocks noGrp="1"/>
+          </p:cNvSpPr>
+          <p:nvPr>
+            <p:ph type="title"/>
+          </p:nvPr>
+        </p:nvSpPr>
+        <p:spPr/>
+        <p:txBody>
+          <a:bodyPr/>
+          <a:lstStyle/>
+          <a:p>
+            <a:r>
+              <a:rPr lang="en-US" altLang="zh-CN" dirty="0" smtClean="0"/>
+              <a:t>Nonlinear solver support</a:t>
+            </a:r>
+            <a:endParaRPr lang="en-US" dirty="0"/>
+          </a:p>
+        </p:txBody>
+      </p:sp>
+      <p:sp>
+        <p:nvSpPr>
+          <p:cNvPr id="3" name="Content Placeholder 2"/>
+          <p:cNvSpPr>
+            <a:spLocks noGrp="1"/>
+          </p:cNvSpPr>
+          <p:nvPr>
+            <p:ph idx="1"/>
+          </p:nvPr>
+        </p:nvSpPr>
+        <p:spPr/>
+        <p:txBody>
+          <a:bodyPr>
+            <a:normAutofit fontScale="92500"/>
+          </a:bodyPr>
+          <a:lstStyle/>
+          <a:p>
+            <a:r>
+              <a:rPr lang="en-US" dirty="0" err="1" smtClean="0"/>
+              <a:t>FEniCS</a:t>
+            </a:r>
+            <a:r>
+              <a:rPr lang="en-US" dirty="0" smtClean="0"/>
+              <a:t>:</a:t>
+            </a:r>
+          </a:p>
+          <a:p>
+            <a:pPr lvl="1"/>
+            <a:r>
+              <a:rPr lang="en-US" dirty="0" smtClean="0"/>
+              <a:t>Provide nonlinear solver without requiring user to provide specific Newton steps</a:t>
+            </a:r>
+          </a:p>
+          <a:p>
+            <a:pPr lvl="1"/>
+            <a:r>
+              <a:rPr lang="en-US" dirty="0" smtClean="0"/>
+              <a:t>Maybe some auto-differentiation functionality under the hood</a:t>
+            </a:r>
+          </a:p>
+          <a:p>
+            <a:r>
+              <a:rPr lang="en-US" dirty="0" err="1" smtClean="0"/>
+              <a:t>deal.II</a:t>
+            </a:r>
+            <a:r>
+              <a:rPr lang="en-US" dirty="0" smtClean="0"/>
+              <a:t>:</a:t>
+            </a:r>
+          </a:p>
+          <a:p>
+            <a:pPr lvl="1"/>
+            <a:r>
+              <a:rPr lang="en-US" dirty="0" smtClean="0"/>
+              <a:t>No direct support on nonlinear solver;</a:t>
+            </a:r>
+          </a:p>
+          <a:p>
+            <a:pPr lvl="1"/>
+            <a:r>
+              <a:rPr lang="en-US" dirty="0" smtClean="0"/>
+              <a:t>Can interface codes in </a:t>
+            </a:r>
+            <a:r>
+              <a:rPr lang="en-US" dirty="0" err="1" smtClean="0"/>
+              <a:t>PETSc’s</a:t>
+            </a:r>
+            <a:r>
+              <a:rPr lang="en-US" dirty="0" smtClean="0"/>
+              <a:t> style to </a:t>
+            </a:r>
+            <a:r>
+              <a:rPr lang="en-US" dirty="0" err="1" smtClean="0"/>
+              <a:t>snes</a:t>
+            </a:r>
+            <a:r>
+              <a:rPr lang="en-US" dirty="0" smtClean="0"/>
+              <a:t> solver</a:t>
+            </a:r>
+          </a:p>
+          <a:p>
+            <a:pPr lvl="1"/>
+            <a:r>
+              <a:rPr lang="en-US" dirty="0" smtClean="0"/>
+              <a:t>An alternative way is to use automatic differentiation </a:t>
+            </a:r>
+            <a:r>
+              <a:rPr lang="en-US" dirty="0" err="1" smtClean="0"/>
+              <a:t>Trilinos’s</a:t>
+            </a:r>
+            <a:r>
+              <a:rPr lang="en-US" dirty="0" smtClean="0"/>
+              <a:t> </a:t>
+            </a:r>
+            <a:r>
+              <a:rPr lang="en-US" dirty="0" err="1" smtClean="0"/>
+              <a:t>Sacado</a:t>
+            </a:r>
+            <a:r>
+              <a:rPr lang="en-US" dirty="0" smtClean="0"/>
+              <a:t> library: we don’t need to provide linearized weak forms, but the temporally discretized weak forms and </a:t>
+            </a:r>
+            <a:r>
+              <a:rPr lang="en-US" dirty="0" err="1" smtClean="0"/>
+              <a:t>Sacado</a:t>
+            </a:r>
+            <a:r>
+              <a:rPr lang="en-US" dirty="0" smtClean="0"/>
+              <a:t> does the rest</a:t>
+            </a:r>
+          </a:p>
+          <a:p>
+            <a:r>
+              <a:rPr lang="en-US" dirty="0" smtClean="0"/>
+              <a:t>MOOSE:</a:t>
+            </a:r>
+          </a:p>
+          <a:p>
+            <a:pPr lvl="1"/>
+            <a:r>
+              <a:rPr lang="en-US" dirty="0"/>
+              <a:t>T</a:t>
+            </a:r>
+            <a:r>
+              <a:rPr lang="en-US" dirty="0" smtClean="0"/>
+              <a:t>reat all problems as nonlinear problem</a:t>
+            </a:r>
+          </a:p>
+          <a:p>
+            <a:pPr lvl="1"/>
+            <a:r>
+              <a:rPr lang="en-US" dirty="0" smtClean="0"/>
+              <a:t>solve equations using </a:t>
+            </a:r>
+            <a:r>
+              <a:rPr lang="en-US" dirty="0" err="1" smtClean="0"/>
+              <a:t>PETSc’s</a:t>
+            </a:r>
+            <a:r>
+              <a:rPr lang="en-US" dirty="0" smtClean="0"/>
+              <a:t> </a:t>
+            </a:r>
+            <a:r>
+              <a:rPr lang="en-US" dirty="0" err="1" smtClean="0"/>
+              <a:t>snes</a:t>
+            </a:r>
+            <a:r>
+              <a:rPr lang="en-US" dirty="0" smtClean="0"/>
+              <a:t> solver realized in the internal </a:t>
+            </a:r>
+            <a:r>
+              <a:rPr lang="en-US" dirty="0" err="1" smtClean="0"/>
+              <a:t>LibMesh</a:t>
+            </a:r>
+            <a:r>
+              <a:rPr lang="en-US" dirty="0" smtClean="0"/>
+              <a:t> (?)</a:t>
+            </a:r>
+          </a:p>
+          <a:p>
+            <a:pPr lvl="1"/>
+            <a:r>
+              <a:rPr lang="en-US" dirty="0" smtClean="0"/>
+              <a:t>Users provide residual weak form for the equation; users gives Jacobian (optional) for preconditioning</a:t>
+            </a:r>
+            <a:endParaRPr lang="en-US" dirty="0"/>
+          </a:p>
+        </p:txBody>
+      </p:sp>
+    </p:spTree>
+    <p:extLst>
+      <p:ext uri="{BB962C8B-B14F-4D97-AF65-F5344CB8AC3E}">
+        <p14:creationId xmlns:p14="http://schemas.microsoft.com/office/powerpoint/2010/main" val="1353211798"/>
+      </p:ext>
+    </p:extLst>
+  </p:cSld>
+  <p:clrMapOvr>
+    <a:masterClrMapping/>
+  </p:clrMapOvr>
+</p:sld>
+</file>
+
+<file path=ppt/slides/slide9.xml><?xml version="1.0" encoding="utf-8"?>
+<p:sld xmlns:a="http://schemas.openxmlformats.org/drawingml/2006/main" xmlns:r="http://schemas.openxmlformats.org/officeDocument/2006/relationships" xmlns:p="http://schemas.openxmlformats.org/presentationml/2006/main">
+  <p:cSld>
+    <p:spTree>
+      <p:nvGrpSpPr>
+        <p:cNvPr id="1" name=""/>
+        <p:cNvGrpSpPr/>
+        <p:nvPr/>
+      </p:nvGrpSpPr>
+      <p:grpSpPr>
+        <a:xfrm>
+          <a:off x="0" y="0"/>
+          <a:ext cx="0" cy="0"/>
+          <a:chOff x="0" y="0"/>
+          <a:chExt cx="0" cy="0"/>
+        </a:xfrm>
+      </p:grpSpPr>
+      <p:sp>
+        <p:nvSpPr>
+          <p:cNvPr id="2" name="Title 1"/>
+          <p:cNvSpPr>
+            <a:spLocks noGrp="1"/>
+          </p:cNvSpPr>
+          <p:nvPr>
+            <p:ph type="title"/>
+          </p:nvPr>
+        </p:nvSpPr>
+        <p:spPr/>
+        <p:txBody>
+          <a:bodyPr/>
+          <a:lstStyle/>
+          <a:p>
+            <a:r>
+              <a:rPr lang="en-US" dirty="0" smtClean="0"/>
+              <a:t>Algebraic solver/preconditioner</a:t>
+            </a:r>
+            <a:endParaRPr lang="en-US" dirty="0"/>
+          </a:p>
+        </p:txBody>
+      </p:sp>
+      <p:sp>
+        <p:nvSpPr>
+          <p:cNvPr id="3" name="Content Placeholder 2"/>
+          <p:cNvSpPr>
+            <a:spLocks noGrp="1"/>
+          </p:cNvSpPr>
+          <p:nvPr>
+            <p:ph idx="1"/>
+          </p:nvPr>
+        </p:nvSpPr>
+        <p:spPr/>
+        <p:txBody>
+          <a:bodyPr/>
+          <a:lstStyle/>
+          <a:p>
+            <a:r>
+              <a:rPr lang="en-US" dirty="0" err="1" smtClean="0"/>
+              <a:t>FEniCS</a:t>
+            </a:r>
+            <a:r>
+              <a:rPr lang="en-US" dirty="0" smtClean="0"/>
+              <a:t>:</a:t>
+            </a:r>
+          </a:p>
+          <a:p>
+            <a:pPr lvl="1"/>
+            <a:r>
+              <a:rPr lang="en-US" dirty="0" smtClean="0"/>
+              <a:t>Default build only has tools from </a:t>
+            </a:r>
+            <a:r>
+              <a:rPr lang="en-US" dirty="0" err="1" smtClean="0"/>
+              <a:t>PETSc</a:t>
+            </a:r>
+            <a:endParaRPr lang="en-US" dirty="0" smtClean="0"/>
+          </a:p>
+          <a:p>
+            <a:pPr lvl="1"/>
+            <a:r>
+              <a:rPr lang="en-US" dirty="0" smtClean="0"/>
+              <a:t>Only need to specify them by string as parameters</a:t>
+            </a:r>
+          </a:p>
+          <a:p>
+            <a:r>
+              <a:rPr lang="en-US" dirty="0" err="1" smtClean="0"/>
+              <a:t>deal.II</a:t>
+            </a:r>
+            <a:r>
+              <a:rPr lang="en-US" dirty="0" smtClean="0"/>
+              <a:t>:</a:t>
+            </a:r>
+          </a:p>
+          <a:p>
+            <a:pPr lvl="1"/>
+            <a:r>
+              <a:rPr lang="en-US" dirty="0" err="1" smtClean="0"/>
+              <a:t>deal.II</a:t>
+            </a:r>
+            <a:r>
+              <a:rPr lang="en-US" dirty="0" smtClean="0"/>
+              <a:t> provides wrappers for solvers/preconditioners from </a:t>
+            </a:r>
+            <a:r>
+              <a:rPr lang="en-US" dirty="0" err="1" smtClean="0"/>
+              <a:t>PETSc</a:t>
+            </a:r>
+            <a:r>
+              <a:rPr lang="en-US" dirty="0" smtClean="0"/>
+              <a:t> and </a:t>
+            </a:r>
+            <a:r>
+              <a:rPr lang="en-US" dirty="0" err="1" smtClean="0"/>
+              <a:t>Trilinos</a:t>
+            </a:r>
+            <a:endParaRPr lang="en-US" dirty="0" smtClean="0"/>
+          </a:p>
+          <a:p>
+            <a:pPr lvl="1"/>
+            <a:r>
+              <a:rPr lang="en-US" dirty="0" smtClean="0"/>
+              <a:t>Best practice is to use data structures wrapped from the same library as the solvers: e.g. use </a:t>
+            </a:r>
+            <a:r>
+              <a:rPr lang="en-US" dirty="0" err="1" smtClean="0"/>
+              <a:t>PETScWrappers</a:t>
+            </a:r>
+            <a:r>
+              <a:rPr lang="en-US" dirty="0" smtClean="0"/>
+              <a:t>::MPI::</a:t>
+            </a:r>
+            <a:r>
+              <a:rPr lang="en-US" dirty="0" err="1" smtClean="0"/>
+              <a:t>SparseMatrix</a:t>
+            </a:r>
+            <a:r>
+              <a:rPr lang="en-US" dirty="0" smtClean="0"/>
+              <a:t> with </a:t>
+            </a:r>
+            <a:r>
+              <a:rPr lang="en-US" dirty="0" err="1" smtClean="0"/>
+              <a:t>PETScWrappers</a:t>
+            </a:r>
+            <a:r>
+              <a:rPr lang="en-US" dirty="0" smtClean="0"/>
+              <a:t>::</a:t>
+            </a:r>
+            <a:r>
+              <a:rPr lang="en-US" dirty="0" err="1" smtClean="0"/>
+              <a:t>PreconditionBoomerAMG</a:t>
+            </a:r>
+            <a:r>
+              <a:rPr lang="en-US" dirty="0" smtClean="0"/>
+              <a:t> </a:t>
+            </a:r>
+            <a:r>
+              <a:rPr lang="en-US" dirty="0" err="1" smtClean="0"/>
+              <a:t>etc</a:t>
+            </a:r>
+            <a:endParaRPr lang="en-US" dirty="0" smtClean="0"/>
+          </a:p>
+          <a:p>
+            <a:pPr lvl="1"/>
+            <a:r>
+              <a:rPr lang="en-US" dirty="0" smtClean="0"/>
+              <a:t>Can also use </a:t>
+            </a:r>
+            <a:r>
+              <a:rPr lang="en-US" dirty="0" err="1" smtClean="0"/>
+              <a:t>deal.II</a:t>
+            </a:r>
+            <a:r>
+              <a:rPr lang="en-US" dirty="0" smtClean="0"/>
+              <a:t> native data structure in parallel lately</a:t>
+            </a:r>
+          </a:p>
+          <a:p>
+            <a:r>
+              <a:rPr lang="en-US" dirty="0" smtClean="0"/>
+              <a:t>MOOSE:</a:t>
+            </a:r>
+          </a:p>
+          <a:p>
+            <a:pPr lvl="1"/>
+            <a:r>
+              <a:rPr lang="en-US" dirty="0" smtClean="0"/>
+              <a:t>Almost only has solvers/preconditioners from </a:t>
+            </a:r>
+            <a:r>
+              <a:rPr lang="en-US" dirty="0" err="1" smtClean="0"/>
+              <a:t>PETSc</a:t>
+            </a:r>
+            <a:r>
+              <a:rPr lang="en-US" dirty="0" smtClean="0"/>
+              <a:t> unless you want to hack it with </a:t>
+            </a:r>
+            <a:r>
+              <a:rPr lang="en-US" dirty="0" err="1" smtClean="0"/>
+              <a:t>Trilinos</a:t>
+            </a:r>
+            <a:endParaRPr lang="en-US" dirty="0" smtClean="0"/>
+          </a:p>
+          <a:p>
+            <a:pPr lvl="1"/>
+            <a:r>
+              <a:rPr lang="en-US" dirty="0" smtClean="0"/>
+              <a:t>Specify algebraic solvers from input files; can override this through command line</a:t>
+            </a:r>
+            <a:endParaRPr lang="en-US" dirty="0"/>
+          </a:p>
+        </p:txBody>
+      </p:sp>
+    </p:spTree>
+    <p:extLst>
+      <p:ext uri="{BB962C8B-B14F-4D97-AF65-F5344CB8AC3E}">
+        <p14:creationId xmlns:p14="http://schemas.microsoft.com/office/powerpoint/2010/main" val="1837054851"/>
       </p:ext>
     </p:extLst>
   </p:cSld>
